--- a/doc/architecture.pptx
+++ b/doc/architecture.pptx
@@ -107,6 +107,11 @@
       </a:defRPr>
     </a:lvl9pPr>
   </p:defaultTextStyle>
+  <p:extLst>
+    <p:ext uri="{EFAFB233-063F-42B5-8137-9DF3F51BA10A}">
+      <p15:sldGuideLst xmlns:p15="http://schemas.microsoft.com/office/powerpoint/2012/main"/>
+    </p:ext>
+  </p:extLst>
 </p:presentation>
 </file>
 
@@ -192,7 +197,7 @@
           <a:p>
             <a:fld id="{AAEE7CA2-23F9-3F40-9696-9FF086CE039C}" type="datetimeFigureOut">
               <a:rPr lang="fr-FR" smtClean="0"/>
-              <a:t>23/04/2020</a:t>
+              <a:t>28/04/2020</a:t>
             </a:fld>
             <a:endParaRPr lang="fr-FR"/>
           </a:p>
@@ -693,7 +698,7 @@
           <a:p>
             <a:fld id="{8D476C3B-601F-4648-B862-C51A0466401A}" type="datetimeFigureOut">
               <a:rPr lang="fr-FR" smtClean="0"/>
-              <a:t>23/04/2020</a:t>
+              <a:t>28/04/2020</a:t>
             </a:fld>
             <a:endParaRPr lang="fr-FR"/>
           </a:p>
@@ -893,7 +898,7 @@
           <a:p>
             <a:fld id="{8D476C3B-601F-4648-B862-C51A0466401A}" type="datetimeFigureOut">
               <a:rPr lang="fr-FR" smtClean="0"/>
-              <a:t>23/04/2020</a:t>
+              <a:t>28/04/2020</a:t>
             </a:fld>
             <a:endParaRPr lang="fr-FR"/>
           </a:p>
@@ -1103,7 +1108,7 @@
           <a:p>
             <a:fld id="{8D476C3B-601F-4648-B862-C51A0466401A}" type="datetimeFigureOut">
               <a:rPr lang="fr-FR" smtClean="0"/>
-              <a:t>23/04/2020</a:t>
+              <a:t>28/04/2020</a:t>
             </a:fld>
             <a:endParaRPr lang="fr-FR"/>
           </a:p>
@@ -1303,7 +1308,7 @@
           <a:p>
             <a:fld id="{8D476C3B-601F-4648-B862-C51A0466401A}" type="datetimeFigureOut">
               <a:rPr lang="fr-FR" smtClean="0"/>
-              <a:t>23/04/2020</a:t>
+              <a:t>28/04/2020</a:t>
             </a:fld>
             <a:endParaRPr lang="fr-FR"/>
           </a:p>
@@ -1579,7 +1584,7 @@
           <a:p>
             <a:fld id="{8D476C3B-601F-4648-B862-C51A0466401A}" type="datetimeFigureOut">
               <a:rPr lang="fr-FR" smtClean="0"/>
-              <a:t>23/04/2020</a:t>
+              <a:t>28/04/2020</a:t>
             </a:fld>
             <a:endParaRPr lang="fr-FR"/>
           </a:p>
@@ -1847,7 +1852,7 @@
           <a:p>
             <a:fld id="{8D476C3B-601F-4648-B862-C51A0466401A}" type="datetimeFigureOut">
               <a:rPr lang="fr-FR" smtClean="0"/>
-              <a:t>23/04/2020</a:t>
+              <a:t>28/04/2020</a:t>
             </a:fld>
             <a:endParaRPr lang="fr-FR"/>
           </a:p>
@@ -2262,7 +2267,7 @@
           <a:p>
             <a:fld id="{8D476C3B-601F-4648-B862-C51A0466401A}" type="datetimeFigureOut">
               <a:rPr lang="fr-FR" smtClean="0"/>
-              <a:t>23/04/2020</a:t>
+              <a:t>28/04/2020</a:t>
             </a:fld>
             <a:endParaRPr lang="fr-FR"/>
           </a:p>
@@ -2404,7 +2409,7 @@
           <a:p>
             <a:fld id="{8D476C3B-601F-4648-B862-C51A0466401A}" type="datetimeFigureOut">
               <a:rPr lang="fr-FR" smtClean="0"/>
-              <a:t>23/04/2020</a:t>
+              <a:t>28/04/2020</a:t>
             </a:fld>
             <a:endParaRPr lang="fr-FR"/>
           </a:p>
@@ -2517,7 +2522,7 @@
           <a:p>
             <a:fld id="{8D476C3B-601F-4648-B862-C51A0466401A}" type="datetimeFigureOut">
               <a:rPr lang="fr-FR" smtClean="0"/>
-              <a:t>23/04/2020</a:t>
+              <a:t>28/04/2020</a:t>
             </a:fld>
             <a:endParaRPr lang="fr-FR"/>
           </a:p>
@@ -2830,7 +2835,7 @@
           <a:p>
             <a:fld id="{8D476C3B-601F-4648-B862-C51A0466401A}" type="datetimeFigureOut">
               <a:rPr lang="fr-FR" smtClean="0"/>
-              <a:t>23/04/2020</a:t>
+              <a:t>28/04/2020</a:t>
             </a:fld>
             <a:endParaRPr lang="fr-FR"/>
           </a:p>
@@ -3119,7 +3124,7 @@
           <a:p>
             <a:fld id="{8D476C3B-601F-4648-B862-C51A0466401A}" type="datetimeFigureOut">
               <a:rPr lang="fr-FR" smtClean="0"/>
-              <a:t>23/04/2020</a:t>
+              <a:t>28/04/2020</a:t>
             </a:fld>
             <a:endParaRPr lang="fr-FR"/>
           </a:p>
@@ -3362,7 +3367,7 @@
           <a:p>
             <a:fld id="{8D476C3B-601F-4648-B862-C51A0466401A}" type="datetimeFigureOut">
               <a:rPr lang="fr-FR" smtClean="0"/>
-              <a:t>23/04/2020</a:t>
+              <a:t>28/04/2020</a:t>
             </a:fld>
             <a:endParaRPr lang="fr-FR"/>
           </a:p>
@@ -3793,7 +3798,7 @@
         </p:nvSpPr>
         <p:spPr>
           <a:xfrm>
-            <a:off x="7080522" y="304675"/>
+            <a:off x="7071991" y="283755"/>
             <a:ext cx="2038865" cy="6021296"/>
           </a:xfrm>
           <a:prstGeom prst="rect">
@@ -3844,7 +3849,7 @@
         </p:nvSpPr>
         <p:spPr>
           <a:xfrm>
-            <a:off x="148183" y="473246"/>
+            <a:off x="148183" y="1767789"/>
             <a:ext cx="1140431" cy="523982"/>
           </a:xfrm>
           <a:prstGeom prst="roundRect">
@@ -3900,7 +3905,7 @@
         </p:nvSpPr>
         <p:spPr>
           <a:xfrm>
-            <a:off x="148183" y="1255794"/>
+            <a:off x="148183" y="2550337"/>
             <a:ext cx="1140431" cy="523982"/>
           </a:xfrm>
           <a:prstGeom prst="roundRect">
@@ -3964,19 +3969,17 @@
           </a:prstGeom>
         </p:spPr>
         <p:style>
-          <a:lnRef idx="2">
-            <a:schemeClr val="accent1">
-              <a:shade val="50000"/>
-            </a:schemeClr>
+          <a:lnRef idx="1">
+            <a:schemeClr val="accent5"/>
           </a:lnRef>
-          <a:fillRef idx="1">
-            <a:schemeClr val="accent1"/>
+          <a:fillRef idx="2">
+            <a:schemeClr val="accent5"/>
           </a:fillRef>
-          <a:effectRef idx="0">
-            <a:schemeClr val="accent1"/>
+          <a:effectRef idx="1">
+            <a:schemeClr val="accent5"/>
           </a:effectRef>
           <a:fontRef idx="minor">
-            <a:schemeClr val="lt1"/>
+            <a:schemeClr val="dk1"/>
           </a:fontRef>
         </p:style>
         <p:txBody>
@@ -4000,10 +4003,10 @@
       </p:sp>
       <p:sp>
         <p:nvSpPr>
-          <p:cNvPr id="8" name="Rounded Rectangle 7">
-            <a:extLst>
-              <a:ext uri="{FF2B5EF4-FFF2-40B4-BE49-F238E27FC236}">
-                <a16:creationId xmlns:a16="http://schemas.microsoft.com/office/drawing/2014/main" id="{6C9972F8-05CF-A94A-AAF7-6491C03C1675}"/>
+          <p:cNvPr id="9" name="Rounded Rectangle 8">
+            <a:extLst>
+              <a:ext uri="{FF2B5EF4-FFF2-40B4-BE49-F238E27FC236}">
+                <a16:creationId xmlns:a16="http://schemas.microsoft.com/office/drawing/2014/main" id="{6B521939-8D7D-AF40-94DE-9D00E357BB69}"/>
               </a:ext>
             </a:extLst>
           </p:cNvPr>
@@ -4012,7 +4015,7 @@
         </p:nvSpPr>
         <p:spPr>
           <a:xfrm>
-            <a:off x="148183" y="2014369"/>
+            <a:off x="148183" y="425302"/>
             <a:ext cx="1140431" cy="523982"/>
           </a:xfrm>
           <a:prstGeom prst="roundRect">
@@ -4056,10 +4059,10 @@
       </p:sp>
       <p:sp>
         <p:nvSpPr>
-          <p:cNvPr id="9" name="Rounded Rectangle 8">
-            <a:extLst>
-              <a:ext uri="{FF2B5EF4-FFF2-40B4-BE49-F238E27FC236}">
-                <a16:creationId xmlns:a16="http://schemas.microsoft.com/office/drawing/2014/main" id="{6B521939-8D7D-AF40-94DE-9D00E357BB69}"/>
+          <p:cNvPr id="12" name="Rounded Rectangle 11">
+            <a:extLst>
+              <a:ext uri="{FF2B5EF4-FFF2-40B4-BE49-F238E27FC236}">
+                <a16:creationId xmlns:a16="http://schemas.microsoft.com/office/drawing/2014/main" id="{09DB1B03-F905-4344-90B8-DD94DD7E592E}"/>
               </a:ext>
             </a:extLst>
           </p:cNvPr>
@@ -4068,7 +4071,7 @@
         </p:nvSpPr>
         <p:spPr>
           <a:xfrm>
-            <a:off x="148183" y="2038342"/>
+            <a:off x="5434959" y="891845"/>
             <a:ext cx="1140431" cy="523982"/>
           </a:xfrm>
           <a:prstGeom prst="roundRect">
@@ -4076,19 +4079,17 @@
           </a:prstGeom>
         </p:spPr>
         <p:style>
-          <a:lnRef idx="2">
-            <a:schemeClr val="accent1">
-              <a:shade val="50000"/>
-            </a:schemeClr>
+          <a:lnRef idx="1">
+            <a:schemeClr val="accent4"/>
           </a:lnRef>
-          <a:fillRef idx="1">
-            <a:schemeClr val="accent1"/>
+          <a:fillRef idx="2">
+            <a:schemeClr val="accent4"/>
           </a:fillRef>
-          <a:effectRef idx="0">
-            <a:schemeClr val="accent1"/>
+          <a:effectRef idx="1">
+            <a:schemeClr val="accent4"/>
           </a:effectRef>
           <a:fontRef idx="minor">
-            <a:schemeClr val="lt1"/>
+            <a:schemeClr val="dk1"/>
           </a:fontRef>
         </p:style>
         <p:txBody>
@@ -4097,25 +4098,19 @@
           <a:p>
             <a:pPr algn="ctr"/>
             <a:r>
-              <a:rPr lang="fr-FR" dirty="0"/>
-              <a:t>PH2ACF</a:t>
-            </a:r>
-          </a:p>
-          <a:p>
-            <a:pPr algn="ctr"/>
-            <a:r>
-              <a:rPr lang="fr-FR" dirty="0"/>
-              <a:t>interface</a:t>
-            </a:r>
-          </a:p>
-        </p:txBody>
-      </p:sp>
-      <p:sp>
-        <p:nvSpPr>
-          <p:cNvPr id="12" name="Rounded Rectangle 11">
-            <a:extLst>
-              <a:ext uri="{FF2B5EF4-FFF2-40B4-BE49-F238E27FC236}">
-                <a16:creationId xmlns:a16="http://schemas.microsoft.com/office/drawing/2014/main" id="{09DB1B03-F905-4344-90B8-DD94DD7E592E}"/>
+              <a:rPr lang="fr-FR" dirty="0" err="1"/>
+              <a:t>InfluxDB</a:t>
+            </a:r>
+            <a:endParaRPr lang="fr-FR" dirty="0"/>
+          </a:p>
+        </p:txBody>
+      </p:sp>
+      <p:sp>
+        <p:nvSpPr>
+          <p:cNvPr id="13" name="Rounded Rectangle 12">
+            <a:extLst>
+              <a:ext uri="{FF2B5EF4-FFF2-40B4-BE49-F238E27FC236}">
+                <a16:creationId xmlns:a16="http://schemas.microsoft.com/office/drawing/2014/main" id="{036675E0-0426-CF43-9632-9F8142A9D0F8}"/>
               </a:ext>
             </a:extLst>
           </p:cNvPr>
@@ -4124,27 +4119,25 @@
         </p:nvSpPr>
         <p:spPr>
           <a:xfrm>
-            <a:off x="5516616" y="568075"/>
-            <a:ext cx="1140431" cy="523982"/>
+            <a:off x="5376023" y="1752008"/>
+            <a:ext cx="1258301" cy="684294"/>
           </a:xfrm>
           <a:prstGeom prst="roundRect">
             <a:avLst/>
           </a:prstGeom>
         </p:spPr>
         <p:style>
-          <a:lnRef idx="2">
-            <a:schemeClr val="accent1">
-              <a:shade val="50000"/>
-            </a:schemeClr>
+          <a:lnRef idx="1">
+            <a:schemeClr val="accent5"/>
           </a:lnRef>
-          <a:fillRef idx="1">
-            <a:schemeClr val="accent1"/>
+          <a:fillRef idx="2">
+            <a:schemeClr val="accent5"/>
           </a:fillRef>
-          <a:effectRef idx="0">
-            <a:schemeClr val="accent1"/>
+          <a:effectRef idx="1">
+            <a:schemeClr val="accent5"/>
           </a:effectRef>
           <a:fontRef idx="minor">
-            <a:schemeClr val="lt1"/>
+            <a:schemeClr val="dk1"/>
           </a:fontRef>
         </p:style>
         <p:txBody>
@@ -4154,7 +4147,7 @@
             <a:pPr algn="ctr"/>
             <a:r>
               <a:rPr lang="fr-FR" dirty="0" err="1"/>
-              <a:t>InfluxDB</a:t>
+              <a:t>Telegraf</a:t>
             </a:r>
             <a:endParaRPr lang="fr-FR" dirty="0"/>
           </a:p>
@@ -4162,10 +4155,10 @@
       </p:sp>
       <p:sp>
         <p:nvSpPr>
-          <p:cNvPr id="13" name="Rounded Rectangle 12">
-            <a:extLst>
-              <a:ext uri="{FF2B5EF4-FFF2-40B4-BE49-F238E27FC236}">
-                <a16:creationId xmlns:a16="http://schemas.microsoft.com/office/drawing/2014/main" id="{036675E0-0426-CF43-9632-9F8142A9D0F8}"/>
+          <p:cNvPr id="14" name="Rounded Rectangle 13">
+            <a:extLst>
+              <a:ext uri="{FF2B5EF4-FFF2-40B4-BE49-F238E27FC236}">
+                <a16:creationId xmlns:a16="http://schemas.microsoft.com/office/drawing/2014/main" id="{FF2CB5D2-D1EB-DB45-9496-3C22658B7BAC}"/>
               </a:ext>
             </a:extLst>
           </p:cNvPr>
@@ -4174,27 +4167,25 @@
         </p:nvSpPr>
         <p:spPr>
           <a:xfrm>
-            <a:off x="5516616" y="1616039"/>
-            <a:ext cx="1140431" cy="523982"/>
+            <a:off x="7430191" y="1826564"/>
+            <a:ext cx="1383591" cy="523982"/>
           </a:xfrm>
           <a:prstGeom prst="roundRect">
             <a:avLst/>
           </a:prstGeom>
         </p:spPr>
         <p:style>
-          <a:lnRef idx="2">
-            <a:schemeClr val="accent1">
-              <a:shade val="50000"/>
-            </a:schemeClr>
+          <a:lnRef idx="1">
+            <a:schemeClr val="accent2"/>
           </a:lnRef>
-          <a:fillRef idx="1">
-            <a:schemeClr val="accent1"/>
+          <a:fillRef idx="2">
+            <a:schemeClr val="accent2"/>
           </a:fillRef>
-          <a:effectRef idx="0">
-            <a:schemeClr val="accent1"/>
+          <a:effectRef idx="1">
+            <a:schemeClr val="accent2"/>
           </a:effectRef>
           <a:fontRef idx="minor">
-            <a:schemeClr val="lt1"/>
+            <a:schemeClr val="dk1"/>
           </a:fontRef>
         </p:style>
         <p:txBody>
@@ -4204,18 +4195,25 @@
             <a:pPr algn="ctr"/>
             <a:r>
               <a:rPr lang="fr-FR" dirty="0" err="1"/>
-              <a:t>Telegraf</a:t>
+              <a:t>Grafana</a:t>
             </a:r>
             <a:endParaRPr lang="fr-FR" dirty="0"/>
           </a:p>
-        </p:txBody>
-      </p:sp>
-      <p:sp>
-        <p:nvSpPr>
-          <p:cNvPr id="14" name="Rounded Rectangle 13">
-            <a:extLst>
-              <a:ext uri="{FF2B5EF4-FFF2-40B4-BE49-F238E27FC236}">
-                <a16:creationId xmlns:a16="http://schemas.microsoft.com/office/drawing/2014/main" id="{FF2CB5D2-D1EB-DB45-9496-3C22658B7BAC}"/>
+          <a:p>
+            <a:pPr algn="ctr"/>
+            <a:r>
+              <a:rPr lang="fr-FR" dirty="0"/>
+              <a:t>Dashboard</a:t>
+            </a:r>
+          </a:p>
+        </p:txBody>
+      </p:sp>
+      <p:sp>
+        <p:nvSpPr>
+          <p:cNvPr id="15" name="Rounded Rectangle 14">
+            <a:extLst>
+              <a:ext uri="{FF2B5EF4-FFF2-40B4-BE49-F238E27FC236}">
+                <a16:creationId xmlns:a16="http://schemas.microsoft.com/office/drawing/2014/main" id="{4273E95C-BEA8-B340-8197-5FB65040CD33}"/>
               </a:ext>
             </a:extLst>
           </p:cNvPr>
@@ -4224,84 +4222,25 @@
         </p:nvSpPr>
         <p:spPr>
           <a:xfrm>
-            <a:off x="7430191" y="1618341"/>
-            <a:ext cx="1383591" cy="523982"/>
+            <a:off x="7551772" y="4351263"/>
+            <a:ext cx="1140431" cy="803527"/>
           </a:xfrm>
           <a:prstGeom prst="roundRect">
             <a:avLst/>
           </a:prstGeom>
         </p:spPr>
         <p:style>
-          <a:lnRef idx="2">
-            <a:schemeClr val="accent1">
-              <a:shade val="50000"/>
-            </a:schemeClr>
+          <a:lnRef idx="1">
+            <a:schemeClr val="accent2"/>
           </a:lnRef>
-          <a:fillRef idx="1">
-            <a:schemeClr val="accent1"/>
+          <a:fillRef idx="2">
+            <a:schemeClr val="accent2"/>
           </a:fillRef>
-          <a:effectRef idx="0">
-            <a:schemeClr val="accent1"/>
+          <a:effectRef idx="1">
+            <a:schemeClr val="accent2"/>
           </a:effectRef>
           <a:fontRef idx="minor">
-            <a:schemeClr val="lt1"/>
-          </a:fontRef>
-        </p:style>
-        <p:txBody>
-          <a:bodyPr rtlCol="0" anchor="ctr"/>
-          <a:lstStyle/>
-          <a:p>
-            <a:pPr algn="ctr"/>
-            <a:r>
-              <a:rPr lang="fr-FR" dirty="0" err="1"/>
-              <a:t>Grafana</a:t>
-            </a:r>
-            <a:endParaRPr lang="fr-FR" dirty="0"/>
-          </a:p>
-          <a:p>
-            <a:pPr algn="ctr"/>
-            <a:r>
-              <a:rPr lang="fr-FR" dirty="0"/>
-              <a:t>Dashboard</a:t>
-            </a:r>
-          </a:p>
-        </p:txBody>
-      </p:sp>
-      <p:sp>
-        <p:nvSpPr>
-          <p:cNvPr id="15" name="Rounded Rectangle 14">
-            <a:extLst>
-              <a:ext uri="{FF2B5EF4-FFF2-40B4-BE49-F238E27FC236}">
-                <a16:creationId xmlns:a16="http://schemas.microsoft.com/office/drawing/2014/main" id="{4273E95C-BEA8-B340-8197-5FB65040CD33}"/>
-              </a:ext>
-            </a:extLst>
-          </p:cNvPr>
-          <p:cNvSpPr/>
-          <p:nvPr/>
-        </p:nvSpPr>
-        <p:spPr>
-          <a:xfrm>
-            <a:off x="7551772" y="4351263"/>
-            <a:ext cx="1140431" cy="803527"/>
-          </a:xfrm>
-          <a:prstGeom prst="roundRect">
-            <a:avLst/>
-          </a:prstGeom>
-        </p:spPr>
-        <p:style>
-          <a:lnRef idx="2">
-            <a:schemeClr val="accent1">
-              <a:shade val="50000"/>
-            </a:schemeClr>
-          </a:lnRef>
-          <a:fillRef idx="1">
-            <a:schemeClr val="accent1"/>
-          </a:fillRef>
-          <a:effectRef idx="0">
-            <a:schemeClr val="accent1"/>
-          </a:effectRef>
-          <a:fontRef idx="minor">
-            <a:schemeClr val="lt1"/>
+            <a:schemeClr val="dk1"/>
           </a:fontRef>
         </p:style>
         <p:txBody>
@@ -4347,8 +4286,8 @@
         </p:nvCxnSpPr>
         <p:spPr>
           <a:xfrm>
-            <a:off x="1288614" y="735237"/>
-            <a:ext cx="3349562" cy="2359853"/>
+            <a:off x="1288614" y="2029780"/>
+            <a:ext cx="3349562" cy="1065310"/>
           </a:xfrm>
           <a:prstGeom prst="bentConnector2">
             <a:avLst/>
@@ -4394,55 +4333,8 @@
         </p:nvCxnSpPr>
         <p:spPr>
           <a:xfrm>
-            <a:off x="1288614" y="1517785"/>
-            <a:ext cx="3349562" cy="1577305"/>
-          </a:xfrm>
-          <a:prstGeom prst="bentConnector2">
-            <a:avLst/>
-          </a:prstGeom>
-          <a:ln w="12700">
-            <a:solidFill>
-              <a:srgbClr val="FFC000"/>
-            </a:solidFill>
-            <a:headEnd type="triangle"/>
-            <a:tailEnd type="triangle"/>
-          </a:ln>
-        </p:spPr>
-        <p:style>
-          <a:lnRef idx="1">
-            <a:schemeClr val="accent1"/>
-          </a:lnRef>
-          <a:fillRef idx="0">
-            <a:schemeClr val="accent1"/>
-          </a:fillRef>
-          <a:effectRef idx="0">
-            <a:schemeClr val="accent1"/>
-          </a:effectRef>
-          <a:fontRef idx="minor">
-            <a:schemeClr val="tx1"/>
-          </a:fontRef>
-        </p:style>
-      </p:cxnSp>
-      <p:cxnSp>
-        <p:nvCxnSpPr>
-          <p:cNvPr id="25" name="Elbow Connector 24">
-            <a:extLst>
-              <a:ext uri="{FF2B5EF4-FFF2-40B4-BE49-F238E27FC236}">
-                <a16:creationId xmlns:a16="http://schemas.microsoft.com/office/drawing/2014/main" id="{453C079E-CCDF-A941-8868-6D93C317519F}"/>
-              </a:ext>
-            </a:extLst>
-          </p:cNvPr>
-          <p:cNvCxnSpPr>
-            <a:cxnSpLocks/>
-            <a:stCxn id="9" idx="3"/>
-            <a:endCxn id="7" idx="0"/>
-          </p:cNvCxnSpPr>
-          <p:nvPr/>
-        </p:nvCxnSpPr>
-        <p:spPr>
-          <a:xfrm>
-            <a:off x="1288614" y="2300333"/>
-            <a:ext cx="3349562" cy="794757"/>
+            <a:off x="1288614" y="2812328"/>
+            <a:ext cx="3349562" cy="282762"/>
           </a:xfrm>
           <a:prstGeom prst="bentConnector2">
             <a:avLst/>
@@ -4488,8 +4380,8 @@
         </p:nvCxnSpPr>
         <p:spPr>
           <a:xfrm flipV="1">
-            <a:off x="1309917" y="4801454"/>
-            <a:ext cx="3328259" cy="1115905"/>
+            <a:off x="1422931" y="4801454"/>
+            <a:ext cx="3215245" cy="1115905"/>
           </a:xfrm>
           <a:prstGeom prst="bentConnector2">
             <a:avLst/>
@@ -4572,6 +4464,7 @@
             </a:extLst>
           </p:cNvPr>
           <p:cNvCxnSpPr>
+            <a:cxnSpLocks/>
             <a:stCxn id="7" idx="3"/>
             <a:endCxn id="13" idx="2"/>
           </p:cNvCxnSpPr>
@@ -4579,8 +4472,8 @@
         </p:nvCxnSpPr>
         <p:spPr>
           <a:xfrm flipV="1">
-            <a:off x="5208392" y="2140021"/>
-            <a:ext cx="878440" cy="1808251"/>
+            <a:off x="5208392" y="2436302"/>
+            <a:ext cx="796782" cy="1511970"/>
           </a:xfrm>
           <a:prstGeom prst="bentConnector2">
             <a:avLst/>
@@ -4618,6 +4511,7 @@
             </a:extLst>
           </p:cNvPr>
           <p:cNvCxnSpPr>
+            <a:cxnSpLocks/>
             <a:stCxn id="13" idx="0"/>
             <a:endCxn id="12" idx="2"/>
           </p:cNvCxnSpPr>
@@ -4625,8 +4519,8 @@
         </p:nvCxnSpPr>
         <p:spPr>
           <a:xfrm flipV="1">
-            <a:off x="6086832" y="1092057"/>
-            <a:ext cx="0" cy="523982"/>
+            <a:off x="6005174" y="1415827"/>
+            <a:ext cx="1" cy="336181"/>
           </a:xfrm>
           <a:prstGeom prst="straightConnector1">
             <a:avLst/>
@@ -4668,9 +4562,9 @@
           <p:nvPr/>
         </p:nvCxnSpPr>
         <p:spPr>
-          <a:xfrm>
-            <a:off x="6657047" y="1878030"/>
-            <a:ext cx="773144" cy="2302"/>
+          <a:xfrm flipV="1">
+            <a:off x="6634324" y="2088555"/>
+            <a:ext cx="795867" cy="5600"/>
           </a:xfrm>
           <a:prstGeom prst="straightConnector1">
             <a:avLst/>
@@ -4708,7 +4602,7 @@
         </p:nvSpPr>
         <p:spPr>
           <a:xfrm>
-            <a:off x="1922376" y="281076"/>
+            <a:off x="1743276" y="1431790"/>
             <a:ext cx="3594240" cy="646331"/>
           </a:xfrm>
           <a:prstGeom prst="rect">
@@ -4744,13 +4638,13 @@
               <a:rPr lang="fr-FR" sz="1200" dirty="0" err="1">
                 <a:latin typeface="Courier" pitchFamily="2" charset="0"/>
               </a:rPr>
-              <a:t>sensor</a:t>
+              <a:t>status</a:t>
             </a:r>
             <a:r>
               <a:rPr lang="fr-FR" sz="1200" dirty="0">
                 <a:latin typeface="Courier" pitchFamily="2" charset="0"/>
               </a:rPr>
-              <a:t>/voltage/chan1 &gt;</a:t>
+              <a:t>/voltage/ch1 200. &gt;</a:t>
             </a:r>
           </a:p>
           <a:p>
@@ -4770,13 +4664,40 @@
               <a:rPr lang="fr-FR" sz="1200" dirty="0">
                 <a:latin typeface="Courier" pitchFamily="2" charset="0"/>
               </a:rPr>
-              <a:t>/switch/chan1 on/off</a:t>
-            </a:r>
-          </a:p>
-          <a:p>
-            <a:endParaRPr lang="fr-FR" sz="1200" dirty="0">
-              <a:latin typeface="Courier" pitchFamily="2" charset="0"/>
-            </a:endParaRPr>
+              <a:t>/cmd/switch/ch1 on/off</a:t>
+            </a:r>
+          </a:p>
+          <a:p>
+            <a:r>
+              <a:rPr lang="fr-FR" sz="1200" dirty="0">
+                <a:latin typeface="Courier" pitchFamily="2" charset="0"/>
+              </a:rPr>
+              <a:t>&lt;  /</a:t>
+            </a:r>
+            <a:r>
+              <a:rPr lang="fr-FR" sz="1200" dirty="0" err="1">
+                <a:latin typeface="Courier" pitchFamily="2" charset="0"/>
+              </a:rPr>
+              <a:t>hv</a:t>
+            </a:r>
+            <a:r>
+              <a:rPr lang="fr-FR" sz="1200" dirty="0">
+                <a:latin typeface="Courier" pitchFamily="2" charset="0"/>
+              </a:rPr>
+              <a:t>/cmd/</a:t>
+            </a:r>
+            <a:r>
+              <a:rPr lang="fr-FR" sz="1200" dirty="0" err="1">
+                <a:latin typeface="Courier" pitchFamily="2" charset="0"/>
+              </a:rPr>
+              <a:t>setv</a:t>
+            </a:r>
+            <a:r>
+              <a:rPr lang="fr-FR" sz="1200" dirty="0">
+                <a:latin typeface="Courier" pitchFamily="2" charset="0"/>
+              </a:rPr>
+              <a:t>/ch1 200.</a:t>
+            </a:r>
           </a:p>
         </p:txBody>
       </p:sp>
@@ -4794,8 +4715,8 @@
         </p:nvSpPr>
         <p:spPr>
           <a:xfrm>
-            <a:off x="2321360" y="1248290"/>
-            <a:ext cx="1452076" cy="276999"/>
+            <a:off x="2124070" y="2562435"/>
+            <a:ext cx="1890437" cy="276999"/>
           </a:xfrm>
           <a:prstGeom prst="rect">
             <a:avLst/>
@@ -4812,44 +4733,19 @@
               <a:rPr lang="fr-FR" sz="1200" dirty="0">
                 <a:latin typeface="Courier" pitchFamily="2" charset="0"/>
               </a:rPr>
-              <a:t>/lv/*</a:t>
-            </a:r>
-          </a:p>
-        </p:txBody>
-      </p:sp>
-      <p:sp>
-        <p:nvSpPr>
-          <p:cNvPr id="58" name="TextBox 57">
-            <a:extLst>
-              <a:ext uri="{FF2B5EF4-FFF2-40B4-BE49-F238E27FC236}">
-                <a16:creationId xmlns:a16="http://schemas.microsoft.com/office/drawing/2014/main" id="{73E6D18C-38B8-2B4C-8085-EE560F7485B3}"/>
-              </a:ext>
-            </a:extLst>
-          </p:cNvPr>
-          <p:cNvSpPr txBox="1"/>
-          <p:nvPr/>
-        </p:nvSpPr>
-        <p:spPr>
-          <a:xfrm>
-            <a:off x="2321360" y="2004051"/>
-            <a:ext cx="1452076" cy="276999"/>
-          </a:xfrm>
-          <a:prstGeom prst="rect">
-            <a:avLst/>
-          </a:prstGeom>
-          <a:noFill/>
-        </p:spPr>
-        <p:txBody>
-          <a:bodyPr wrap="square" rtlCol="0">
-            <a:spAutoFit/>
-          </a:bodyPr>
-          <a:lstStyle/>
-          <a:p>
+              <a:t>/lv/* (</a:t>
+            </a:r>
+            <a:r>
+              <a:rPr lang="fr-FR" sz="1200" dirty="0" err="1">
+                <a:latin typeface="Courier" pitchFamily="2" charset="0"/>
+              </a:rPr>
+              <a:t>same</a:t>
+            </a:r>
             <a:r>
               <a:rPr lang="fr-FR" sz="1200" dirty="0">
                 <a:latin typeface="Courier" pitchFamily="2" charset="0"/>
               </a:rPr>
-              <a:t>/ph2acf/*</a:t>
+              <a:t> as HV)</a:t>
             </a:r>
           </a:p>
         </p:txBody>
@@ -5102,10 +4998,10 @@
         </p:nvGrpSpPr>
         <p:grpSpPr>
           <a:xfrm>
-            <a:off x="14303" y="5592930"/>
-            <a:ext cx="1295614" cy="737645"/>
-            <a:chOff x="2018449" y="3700382"/>
-            <a:chExt cx="1295614" cy="737645"/>
+            <a:off x="137591" y="5592930"/>
+            <a:ext cx="1285340" cy="737645"/>
+            <a:chOff x="2141737" y="3700382"/>
+            <a:chExt cx="1285340" cy="737645"/>
           </a:xfrm>
         </p:grpSpPr>
         <p:sp>
@@ -5122,7 +5018,7 @@
           </p:nvSpPr>
           <p:spPr>
             <a:xfrm>
-              <a:off x="2018449" y="3789169"/>
+              <a:off x="2141737" y="3789169"/>
               <a:ext cx="1239326" cy="648858"/>
             </a:xfrm>
             <a:prstGeom prst="roundRect">
@@ -5177,7 +5073,7 @@
           </p:nvSpPr>
           <p:spPr>
             <a:xfrm>
-              <a:off x="2074737" y="3700382"/>
+              <a:off x="2187751" y="3700382"/>
               <a:ext cx="1239326" cy="648858"/>
             </a:xfrm>
             <a:prstGeom prst="roundRect">
@@ -5235,8 +5131,8 @@
         </p:nvSpPr>
         <p:spPr>
           <a:xfrm>
-            <a:off x="1775750" y="3274031"/>
-            <a:ext cx="2348498" cy="646331"/>
+            <a:off x="1775750" y="3439360"/>
+            <a:ext cx="2348498" cy="461665"/>
           </a:xfrm>
           <a:prstGeom prst="rect">
             <a:avLst/>
@@ -5253,15 +5149,7 @@
               <a:rPr lang="fr-FR" sz="1200" dirty="0">
                 <a:latin typeface="Courier" pitchFamily="2" charset="0"/>
               </a:rPr>
-              <a:t>/switch/s1 on</a:t>
-            </a:r>
-          </a:p>
-          <a:p>
-            <a:r>
-              <a:rPr lang="fr-FR" sz="1200" dirty="0">
-                <a:latin typeface="Courier" pitchFamily="2" charset="0"/>
-              </a:rPr>
-              <a:t>/switch/s1 off</a:t>
+              <a:t>/switch/s1 on/off</a:t>
             </a:r>
           </a:p>
           <a:p>
@@ -5538,12 +5426,12 @@
         </p:nvCxnSpPr>
         <p:spPr>
           <a:xfrm>
-            <a:off x="8813782" y="1880332"/>
-            <a:ext cx="1442327" cy="1037515"/>
+            <a:off x="8813782" y="2088555"/>
+            <a:ext cx="1442327" cy="829292"/>
           </a:xfrm>
           <a:prstGeom prst="bentConnector3">
             <a:avLst>
-              <a:gd name="adj1" fmla="val 44860"/>
+              <a:gd name="adj1" fmla="val 50000"/>
             </a:avLst>
           </a:prstGeom>
           <a:ln>
@@ -5715,6 +5603,256 @@
           </a:p>
         </p:txBody>
       </p:sp>
+      <p:sp>
+        <p:nvSpPr>
+          <p:cNvPr id="51" name="Rounded Rectangle 50">
+            <a:extLst>
+              <a:ext uri="{FF2B5EF4-FFF2-40B4-BE49-F238E27FC236}">
+                <a16:creationId xmlns:a16="http://schemas.microsoft.com/office/drawing/2014/main" id="{9BBA7E5B-ED23-1641-844E-7586C00AD0BD}"/>
+              </a:ext>
+            </a:extLst>
+          </p:cNvPr>
+          <p:cNvSpPr/>
+          <p:nvPr/>
+        </p:nvSpPr>
+        <p:spPr>
+          <a:xfrm>
+            <a:off x="5395941" y="164416"/>
+            <a:ext cx="1218463" cy="523982"/>
+          </a:xfrm>
+          <a:prstGeom prst="roundRect">
+            <a:avLst/>
+          </a:prstGeom>
+        </p:spPr>
+        <p:style>
+          <a:lnRef idx="1">
+            <a:schemeClr val="accent4"/>
+          </a:lnRef>
+          <a:fillRef idx="2">
+            <a:schemeClr val="accent4"/>
+          </a:fillRef>
+          <a:effectRef idx="1">
+            <a:schemeClr val="accent4"/>
+          </a:effectRef>
+          <a:fontRef idx="minor">
+            <a:schemeClr val="dk1"/>
+          </a:fontRef>
+        </p:style>
+        <p:txBody>
+          <a:bodyPr rtlCol="0" anchor="ctr"/>
+          <a:lstStyle/>
+          <a:p>
+            <a:pPr algn="ctr"/>
+            <a:r>
+              <a:rPr lang="fr-FR" dirty="0" err="1"/>
+              <a:t>MongoDB</a:t>
+            </a:r>
+            <a:endParaRPr lang="fr-FR" dirty="0"/>
+          </a:p>
+        </p:txBody>
+      </p:sp>
+      <p:cxnSp>
+        <p:nvCxnSpPr>
+          <p:cNvPr id="29" name="Elbow Connector 28">
+            <a:extLst>
+              <a:ext uri="{FF2B5EF4-FFF2-40B4-BE49-F238E27FC236}">
+                <a16:creationId xmlns:a16="http://schemas.microsoft.com/office/drawing/2014/main" id="{C3810BEE-9BB5-A249-A8A1-C13FFA798FA6}"/>
+              </a:ext>
+            </a:extLst>
+          </p:cNvPr>
+          <p:cNvCxnSpPr>
+            <a:stCxn id="9" idx="3"/>
+            <a:endCxn id="51" idx="1"/>
+          </p:cNvCxnSpPr>
+          <p:nvPr/>
+        </p:nvCxnSpPr>
+        <p:spPr>
+          <a:xfrm flipV="1">
+            <a:off x="1288614" y="426407"/>
+            <a:ext cx="4107327" cy="260886"/>
+          </a:xfrm>
+          <a:prstGeom prst="bentConnector3">
+            <a:avLst/>
+          </a:prstGeom>
+          <a:ln>
+            <a:tailEnd type="triangle"/>
+          </a:ln>
+        </p:spPr>
+        <p:style>
+          <a:lnRef idx="1">
+            <a:schemeClr val="accent1"/>
+          </a:lnRef>
+          <a:fillRef idx="0">
+            <a:schemeClr val="accent1"/>
+          </a:fillRef>
+          <a:effectRef idx="0">
+            <a:schemeClr val="accent1"/>
+          </a:effectRef>
+          <a:fontRef idx="minor">
+            <a:schemeClr val="tx1"/>
+          </a:fontRef>
+        </p:style>
+      </p:cxnSp>
+      <p:cxnSp>
+        <p:nvCxnSpPr>
+          <p:cNvPr id="59" name="Elbow Connector 58">
+            <a:extLst>
+              <a:ext uri="{FF2B5EF4-FFF2-40B4-BE49-F238E27FC236}">
+                <a16:creationId xmlns:a16="http://schemas.microsoft.com/office/drawing/2014/main" id="{CA95E751-3C90-7441-AEFB-1BCE29B8EA2F}"/>
+              </a:ext>
+            </a:extLst>
+          </p:cNvPr>
+          <p:cNvCxnSpPr>
+            <a:cxnSpLocks/>
+            <a:stCxn id="9" idx="3"/>
+            <a:endCxn id="7" idx="0"/>
+          </p:cNvCxnSpPr>
+          <p:nvPr/>
+        </p:nvCxnSpPr>
+        <p:spPr>
+          <a:xfrm>
+            <a:off x="1288614" y="687293"/>
+            <a:ext cx="3349562" cy="2407797"/>
+          </a:xfrm>
+          <a:prstGeom prst="bentConnector2">
+            <a:avLst/>
+          </a:prstGeom>
+          <a:ln w="12700">
+            <a:solidFill>
+              <a:srgbClr val="FFC000"/>
+            </a:solidFill>
+            <a:headEnd type="triangle"/>
+            <a:tailEnd type="triangle"/>
+          </a:ln>
+        </p:spPr>
+        <p:style>
+          <a:lnRef idx="1">
+            <a:schemeClr val="accent1"/>
+          </a:lnRef>
+          <a:fillRef idx="0">
+            <a:schemeClr val="accent1"/>
+          </a:fillRef>
+          <a:effectRef idx="0">
+            <a:schemeClr val="accent1"/>
+          </a:effectRef>
+          <a:fontRef idx="minor">
+            <a:schemeClr val="tx1"/>
+          </a:fontRef>
+        </p:style>
+      </p:cxnSp>
+      <p:sp>
+        <p:nvSpPr>
+          <p:cNvPr id="61" name="TextBox 60">
+            <a:extLst>
+              <a:ext uri="{FF2B5EF4-FFF2-40B4-BE49-F238E27FC236}">
+                <a16:creationId xmlns:a16="http://schemas.microsoft.com/office/drawing/2014/main" id="{B11B69F1-4CC3-E641-926C-B028E78C4F05}"/>
+              </a:ext>
+            </a:extLst>
+          </p:cNvPr>
+          <p:cNvSpPr txBox="1"/>
+          <p:nvPr/>
+        </p:nvSpPr>
+        <p:spPr>
+          <a:xfrm>
+            <a:off x="2080629" y="739370"/>
+            <a:ext cx="1890437" cy="461665"/>
+          </a:xfrm>
+          <a:prstGeom prst="rect">
+            <a:avLst/>
+          </a:prstGeom>
+          <a:noFill/>
+        </p:spPr>
+        <p:txBody>
+          <a:bodyPr wrap="square" rtlCol="0">
+            <a:spAutoFit/>
+          </a:bodyPr>
+          <a:lstStyle/>
+          <a:p>
+            <a:r>
+              <a:rPr lang="fr-FR" sz="1200" dirty="0">
+                <a:latin typeface="Courier" pitchFamily="2" charset="0"/>
+              </a:rPr>
+              <a:t>/ph2acf/</a:t>
+            </a:r>
+            <a:r>
+              <a:rPr lang="fr-FR" sz="1200" dirty="0" err="1">
+                <a:latin typeface="Courier" pitchFamily="2" charset="0"/>
+              </a:rPr>
+              <a:t>runcalib</a:t>
+            </a:r>
+            <a:r>
+              <a:rPr lang="fr-FR" sz="1200" dirty="0">
+                <a:latin typeface="Courier" pitchFamily="2" charset="0"/>
+              </a:rPr>
+              <a:t> </a:t>
+            </a:r>
+          </a:p>
+          <a:p>
+            <a:r>
+              <a:rPr lang="fr-FR" sz="1200" dirty="0">
+                <a:latin typeface="Courier" pitchFamily="2" charset="0"/>
+              </a:rPr>
+              <a:t>(or </a:t>
+            </a:r>
+            <a:r>
+              <a:rPr lang="fr-FR" sz="1200" dirty="0" err="1">
+                <a:latin typeface="Courier" pitchFamily="2" charset="0"/>
+              </a:rPr>
+              <a:t>whatever</a:t>
+            </a:r>
+            <a:r>
+              <a:rPr lang="fr-FR" sz="1200" dirty="0">
+                <a:latin typeface="Courier" pitchFamily="2" charset="0"/>
+              </a:rPr>
+              <a:t>)</a:t>
+            </a:r>
+          </a:p>
+        </p:txBody>
+      </p:sp>
+      <p:cxnSp>
+        <p:nvCxnSpPr>
+          <p:cNvPr id="33" name="Elbow Connector 32">
+            <a:extLst>
+              <a:ext uri="{FF2B5EF4-FFF2-40B4-BE49-F238E27FC236}">
+                <a16:creationId xmlns:a16="http://schemas.microsoft.com/office/drawing/2014/main" id="{58772F46-B1C7-5149-92C0-F20D07A2534B}"/>
+              </a:ext>
+            </a:extLst>
+          </p:cNvPr>
+          <p:cNvCxnSpPr>
+            <a:stCxn id="51" idx="3"/>
+            <a:endCxn id="14" idx="1"/>
+          </p:cNvCxnSpPr>
+          <p:nvPr/>
+        </p:nvCxnSpPr>
+        <p:spPr>
+          <a:xfrm>
+            <a:off x="6614404" y="426407"/>
+            <a:ext cx="815787" cy="1662148"/>
+          </a:xfrm>
+          <a:prstGeom prst="bentConnector3">
+            <a:avLst>
+              <a:gd name="adj1" fmla="val 50000"/>
+            </a:avLst>
+          </a:prstGeom>
+          <a:ln>
+            <a:tailEnd type="triangle"/>
+          </a:ln>
+        </p:spPr>
+        <p:style>
+          <a:lnRef idx="1">
+            <a:schemeClr val="accent1"/>
+          </a:lnRef>
+          <a:fillRef idx="0">
+            <a:schemeClr val="accent1"/>
+          </a:fillRef>
+          <a:effectRef idx="0">
+            <a:schemeClr val="accent1"/>
+          </a:effectRef>
+          <a:fontRef idx="minor">
+            <a:schemeClr val="tx1"/>
+          </a:fontRef>
+        </p:style>
+      </p:cxnSp>
     </p:spTree>
     <p:extLst>
       <p:ext uri="{BB962C8B-B14F-4D97-AF65-F5344CB8AC3E}">

--- a/doc/architecture.pptx
+++ b/doc/architecture.pptx
@@ -4545,49 +4545,6 @@
           </a:fontRef>
         </p:style>
       </p:cxnSp>
-      <p:cxnSp>
-        <p:nvCxnSpPr>
-          <p:cNvPr id="53" name="Straight Arrow Connector 52">
-            <a:extLst>
-              <a:ext uri="{FF2B5EF4-FFF2-40B4-BE49-F238E27FC236}">
-                <a16:creationId xmlns:a16="http://schemas.microsoft.com/office/drawing/2014/main" id="{1763DDAD-BAA9-5749-BE67-8110ED635AA5}"/>
-              </a:ext>
-            </a:extLst>
-          </p:cNvPr>
-          <p:cNvCxnSpPr>
-            <a:cxnSpLocks/>
-            <a:stCxn id="13" idx="3"/>
-            <a:endCxn id="14" idx="1"/>
-          </p:cNvCxnSpPr>
-          <p:nvPr/>
-        </p:nvCxnSpPr>
-        <p:spPr>
-          <a:xfrm flipV="1">
-            <a:off x="6634324" y="2088555"/>
-            <a:ext cx="795867" cy="5600"/>
-          </a:xfrm>
-          <a:prstGeom prst="straightConnector1">
-            <a:avLst/>
-          </a:prstGeom>
-          <a:ln>
-            <a:tailEnd type="triangle"/>
-          </a:ln>
-        </p:spPr>
-        <p:style>
-          <a:lnRef idx="1">
-            <a:schemeClr val="accent1"/>
-          </a:lnRef>
-          <a:fillRef idx="0">
-            <a:schemeClr val="accent1"/>
-          </a:fillRef>
-          <a:effectRef idx="0">
-            <a:schemeClr val="accent1"/>
-          </a:effectRef>
-          <a:fontRef idx="minor">
-            <a:schemeClr val="tx1"/>
-          </a:fontRef>
-        </p:style>
-      </p:cxnSp>
       <p:sp>
         <p:nvSpPr>
           <p:cNvPr id="56" name="TextBox 55">
@@ -5833,6 +5790,48 @@
             <a:avLst>
               <a:gd name="adj1" fmla="val 50000"/>
             </a:avLst>
+          </a:prstGeom>
+          <a:ln>
+            <a:tailEnd type="triangle"/>
+          </a:ln>
+        </p:spPr>
+        <p:style>
+          <a:lnRef idx="1">
+            <a:schemeClr val="accent1"/>
+          </a:lnRef>
+          <a:fillRef idx="0">
+            <a:schemeClr val="accent1"/>
+          </a:fillRef>
+          <a:effectRef idx="0">
+            <a:schemeClr val="accent1"/>
+          </a:effectRef>
+          <a:fontRef idx="minor">
+            <a:schemeClr val="tx1"/>
+          </a:fontRef>
+        </p:style>
+      </p:cxnSp>
+      <p:cxnSp>
+        <p:nvCxnSpPr>
+          <p:cNvPr id="44" name="Elbow Connector 43">
+            <a:extLst>
+              <a:ext uri="{FF2B5EF4-FFF2-40B4-BE49-F238E27FC236}">
+                <a16:creationId xmlns:a16="http://schemas.microsoft.com/office/drawing/2014/main" id="{8D9991E3-CD1A-C746-BF5E-E8A73AEB1D2A}"/>
+              </a:ext>
+            </a:extLst>
+          </p:cNvPr>
+          <p:cNvCxnSpPr>
+            <a:stCxn id="12" idx="3"/>
+            <a:endCxn id="14" idx="1"/>
+          </p:cNvCxnSpPr>
+          <p:nvPr/>
+        </p:nvCxnSpPr>
+        <p:spPr>
+          <a:xfrm>
+            <a:off x="6575390" y="1153836"/>
+            <a:ext cx="854801" cy="934719"/>
+          </a:xfrm>
+          <a:prstGeom prst="bentConnector3">
+            <a:avLst/>
           </a:prstGeom>
           <a:ln>
             <a:tailEnd type="triangle"/>
